--- a/10 - Islam/02 - Opdrachten/01 - Presentatie Sa7aba/Omar ibn al-Chattab.pptx
+++ b/10 - Islam/02 - Opdrachten/01 - Presentatie Sa7aba/Omar ibn al-Chattab.pptx
@@ -111,7 +111,41 @@
       </a:defRPr>
     </a:lvl9pPr>
   </p:defaultTextStyle>
+  <p:extLst>
+    <p:ext uri="{EFAFB233-063F-42B5-8137-9DF3F51BA10A}">
+      <p15:sldGuideLst xmlns:p15="http://schemas.microsoft.com/office/powerpoint/2012/main"/>
+    </p:ext>
+  </p:extLst>
 </p:presentation>
+</file>
+
+<file path=ppt/changesInfos/changesInfo1.xml><?xml version="1.0" encoding="utf-8"?>
+<pc:chgInfo xmlns:a="http://schemas.openxmlformats.org/drawingml/2006/main" xmlns:r="http://schemas.openxmlformats.org/officeDocument/2006/relationships" xmlns:ac="http://schemas.microsoft.com/office/drawing/2013/main/command" xmlns:pc="http://schemas.microsoft.com/office/powerpoint/2013/main/command">
+  <pc:docChgLst>
+    <pc:chgData name="Mohamed Koubaa" userId="6269d32a-01b5-4cb7-b89a-2f082ca37e2d" providerId="ADAL" clId="{5DDA1125-EBB9-4B92-9B8B-BDA5B90E5C40}"/>
+    <pc:docChg chg="modSld">
+      <pc:chgData name="Mohamed Koubaa" userId="6269d32a-01b5-4cb7-b89a-2f082ca37e2d" providerId="ADAL" clId="{5DDA1125-EBB9-4B92-9B8B-BDA5B90E5C40}" dt="2025-10-09T09:15:36.909" v="1" actId="20577"/>
+      <pc:docMkLst>
+        <pc:docMk/>
+      </pc:docMkLst>
+      <pc:sldChg chg="modSp mod">
+        <pc:chgData name="Mohamed Koubaa" userId="6269d32a-01b5-4cb7-b89a-2f082ca37e2d" providerId="ADAL" clId="{5DDA1125-EBB9-4B92-9B8B-BDA5B90E5C40}" dt="2025-10-09T09:15:36.909" v="1" actId="20577"/>
+        <pc:sldMkLst>
+          <pc:docMk/>
+          <pc:sldMk cId="446646981" sldId="262"/>
+        </pc:sldMkLst>
+        <pc:spChg chg="mod">
+          <ac:chgData name="Mohamed Koubaa" userId="6269d32a-01b5-4cb7-b89a-2f082ca37e2d" providerId="ADAL" clId="{5DDA1125-EBB9-4B92-9B8B-BDA5B90E5C40}" dt="2025-10-09T09:15:36.909" v="1" actId="20577"/>
+          <ac:spMkLst>
+            <pc:docMk/>
+            <pc:sldMk cId="446646981" sldId="262"/>
+            <ac:spMk id="3" creationId="{8772288C-0672-3522-57DC-159D7669A14B}"/>
+          </ac:spMkLst>
+        </pc:spChg>
+      </pc:sldChg>
+    </pc:docChg>
+  </pc:docChgLst>
+</pc:chgInfo>
 </file>
 
 <file path=ppt/slideLayouts/slideLayout1.xml><?xml version="1.0" encoding="utf-8"?>
@@ -4818,7 +4852,7 @@
             </a:r>
             <a:r>
               <a:rPr lang="nl-NL" dirty="0" err="1"/>
-              <a:t>fajr</a:t>
+              <a:t>Fajr</a:t>
             </a:r>
             <a:r>
               <a:rPr lang="nl-NL" dirty="0"/>

--- a/10 - Islam/02 - Opdrachten/01 - Presentatie Sa7aba/Omar ibn al-Chattab.pptx
+++ b/10 - Islam/02 - Opdrachten/01 - Presentatie Sa7aba/Omar ibn al-Chattab.pptx
@@ -13,6 +13,7 @@
     <p:sldId id="261" r:id="rId7"/>
     <p:sldId id="262" r:id="rId8"/>
     <p:sldId id="263" r:id="rId9"/>
+    <p:sldId id="264" r:id="rId10"/>
   </p:sldIdLst>
   <p:sldSz cx="12192000" cy="6858000"/>
   <p:notesSz cx="6858000" cy="9144000"/>
@@ -123,8 +124,8 @@
 <pc:chgInfo xmlns:a="http://schemas.openxmlformats.org/drawingml/2006/main" xmlns:r="http://schemas.openxmlformats.org/officeDocument/2006/relationships" xmlns:ac="http://schemas.microsoft.com/office/drawing/2013/main/command" xmlns:pc="http://schemas.microsoft.com/office/powerpoint/2013/main/command">
   <pc:docChgLst>
     <pc:chgData name="Mohamed Koubaa" userId="6269d32a-01b5-4cb7-b89a-2f082ca37e2d" providerId="ADAL" clId="{5DDA1125-EBB9-4B92-9B8B-BDA5B90E5C40}"/>
-    <pc:docChg chg="modSld">
-      <pc:chgData name="Mohamed Koubaa" userId="6269d32a-01b5-4cb7-b89a-2f082ca37e2d" providerId="ADAL" clId="{5DDA1125-EBB9-4B92-9B8B-BDA5B90E5C40}" dt="2025-10-09T09:15:36.909" v="1" actId="20577"/>
+    <pc:docChg chg="custSel addSld modSld sldOrd">
+      <pc:chgData name="Mohamed Koubaa" userId="6269d32a-01b5-4cb7-b89a-2f082ca37e2d" providerId="ADAL" clId="{5DDA1125-EBB9-4B92-9B8B-BDA5B90E5C40}" dt="2025-10-16T08:38:45.794" v="14" actId="1076"/>
       <pc:docMkLst>
         <pc:docMk/>
       </pc:docMkLst>
@@ -140,6 +141,29 @@
             <pc:docMk/>
             <pc:sldMk cId="446646981" sldId="262"/>
             <ac:spMk id="3" creationId="{8772288C-0672-3522-57DC-159D7669A14B}"/>
+          </ac:spMkLst>
+        </pc:spChg>
+      </pc:sldChg>
+      <pc:sldChg chg="delSp modSp new mod ord">
+        <pc:chgData name="Mohamed Koubaa" userId="6269d32a-01b5-4cb7-b89a-2f082ca37e2d" providerId="ADAL" clId="{5DDA1125-EBB9-4B92-9B8B-BDA5B90E5C40}" dt="2025-10-16T08:38:45.794" v="14" actId="1076"/>
+        <pc:sldMkLst>
+          <pc:docMk/>
+          <pc:sldMk cId="2647849553" sldId="264"/>
+        </pc:sldMkLst>
+        <pc:spChg chg="mod">
+          <ac:chgData name="Mohamed Koubaa" userId="6269d32a-01b5-4cb7-b89a-2f082ca37e2d" providerId="ADAL" clId="{5DDA1125-EBB9-4B92-9B8B-BDA5B90E5C40}" dt="2025-10-16T08:38:45.794" v="14" actId="1076"/>
+          <ac:spMkLst>
+            <pc:docMk/>
+            <pc:sldMk cId="2647849553" sldId="264"/>
+            <ac:spMk id="2" creationId="{102EB291-81ED-F4DD-5AB5-8D4F36DA01AC}"/>
+          </ac:spMkLst>
+        </pc:spChg>
+        <pc:spChg chg="del">
+          <ac:chgData name="Mohamed Koubaa" userId="6269d32a-01b5-4cb7-b89a-2f082ca37e2d" providerId="ADAL" clId="{5DDA1125-EBB9-4B92-9B8B-BDA5B90E5C40}" dt="2025-10-16T08:38:31.116" v="5" actId="478"/>
+          <ac:spMkLst>
+            <pc:docMk/>
+            <pc:sldMk cId="2647849553" sldId="264"/>
+            <ac:spMk id="3" creationId="{E4FB72EA-ED2C-82C7-A681-C1FFD8A73780}"/>
           </ac:spMkLst>
         </pc:spChg>
       </pc:sldChg>
@@ -431,7 +455,7 @@
           <a:p>
             <a:fld id="{E80C50CD-E178-4744-9B35-B2F624D6C5E9}" type="datetimeFigureOut">
               <a:rPr lang="en-US" smtClean="0"/>
-              <a:t>10/9/2025</a:t>
+              <a:t>10/16/2025</a:t>
             </a:fld>
             <a:endParaRPr lang="en-US"/>
           </a:p>
@@ -629,7 +653,7 @@
           <a:p>
             <a:fld id="{E80C50CD-E178-4744-9B35-B2F624D6C5E9}" type="datetimeFigureOut">
               <a:rPr lang="en-US" smtClean="0"/>
-              <a:t>10/9/2025</a:t>
+              <a:t>10/16/2025</a:t>
             </a:fld>
             <a:endParaRPr lang="en-US"/>
           </a:p>
@@ -837,7 +861,7 @@
           <a:p>
             <a:fld id="{E80C50CD-E178-4744-9B35-B2F624D6C5E9}" type="datetimeFigureOut">
               <a:rPr lang="en-US" smtClean="0"/>
-              <a:t>10/9/2025</a:t>
+              <a:t>10/16/2025</a:t>
             </a:fld>
             <a:endParaRPr lang="en-US"/>
           </a:p>
@@ -1087,7 +1111,7 @@
           <a:p>
             <a:fld id="{E80C50CD-E178-4744-9B35-B2F624D6C5E9}" type="datetimeFigureOut">
               <a:rPr lang="en-US" smtClean="0"/>
-              <a:t>10/9/2025</a:t>
+              <a:t>10/16/2025</a:t>
             </a:fld>
             <a:endParaRPr lang="en-US"/>
           </a:p>
@@ -1366,7 +1390,7 @@
           <a:p>
             <a:fld id="{E80C50CD-E178-4744-9B35-B2F624D6C5E9}" type="datetimeFigureOut">
               <a:rPr lang="en-US" smtClean="0"/>
-              <a:t>10/9/2025</a:t>
+              <a:t>10/16/2025</a:t>
             </a:fld>
             <a:endParaRPr lang="en-US"/>
           </a:p>
@@ -1683,7 +1707,7 @@
           <a:p>
             <a:fld id="{E80C50CD-E178-4744-9B35-B2F624D6C5E9}" type="datetimeFigureOut">
               <a:rPr lang="en-US" smtClean="0"/>
-              <a:t>10/9/2025</a:t>
+              <a:t>10/16/2025</a:t>
             </a:fld>
             <a:endParaRPr lang="en-US"/>
           </a:p>
@@ -2099,7 +2123,7 @@
           <a:p>
             <a:fld id="{E80C50CD-E178-4744-9B35-B2F624D6C5E9}" type="datetimeFigureOut">
               <a:rPr lang="en-US" smtClean="0"/>
-              <a:t>10/9/2025</a:t>
+              <a:t>10/16/2025</a:t>
             </a:fld>
             <a:endParaRPr lang="en-US"/>
           </a:p>
@@ -2240,7 +2264,7 @@
           <a:p>
             <a:fld id="{E80C50CD-E178-4744-9B35-B2F624D6C5E9}" type="datetimeFigureOut">
               <a:rPr lang="en-US" smtClean="0"/>
-              <a:t>10/9/2025</a:t>
+              <a:t>10/16/2025</a:t>
             </a:fld>
             <a:endParaRPr lang="en-US"/>
           </a:p>
@@ -2353,7 +2377,7 @@
           <a:p>
             <a:fld id="{E80C50CD-E178-4744-9B35-B2F624D6C5E9}" type="datetimeFigureOut">
               <a:rPr lang="en-US" smtClean="0"/>
-              <a:t>10/9/2025</a:t>
+              <a:t>10/16/2025</a:t>
             </a:fld>
             <a:endParaRPr lang="en-US"/>
           </a:p>
@@ -2670,7 +2694,7 @@
           <a:p>
             <a:fld id="{E80C50CD-E178-4744-9B35-B2F624D6C5E9}" type="datetimeFigureOut">
               <a:rPr lang="en-US" smtClean="0"/>
-              <a:t>10/9/2025</a:t>
+              <a:t>10/16/2025</a:t>
             </a:fld>
             <a:endParaRPr lang="en-US"/>
           </a:p>
@@ -2962,7 +2986,7 @@
           <a:p>
             <a:fld id="{E80C50CD-E178-4744-9B35-B2F624D6C5E9}" type="datetimeFigureOut">
               <a:rPr lang="en-US" smtClean="0"/>
-              <a:t>10/9/2025</a:t>
+              <a:t>10/16/2025</a:t>
             </a:fld>
             <a:endParaRPr lang="en-US"/>
           </a:p>
@@ -3202,7 +3226,7 @@
             <a:fld id="{E80C50CD-E178-4744-9B35-B2F624D6C5E9}" type="datetimeFigureOut">
               <a:rPr lang="en-US" smtClean="0"/>
               <a:pPr/>
-              <a:t>10/9/2025</a:t>
+              <a:t>10/16/2025</a:t>
             </a:fld>
             <a:endParaRPr lang="en-US"/>
           </a:p>
@@ -5036,6 +5060,71 @@
 </p:sld>
 </file>
 
+<file path=ppt/slides/slide9.xml><?xml version="1.0" encoding="utf-8"?>
+<p:sld xmlns:a="http://schemas.openxmlformats.org/drawingml/2006/main" xmlns:r="http://schemas.openxmlformats.org/officeDocument/2006/relationships" xmlns:p="http://schemas.openxmlformats.org/presentationml/2006/main">
+  <p:cSld>
+    <p:spTree>
+      <p:nvGrpSpPr>
+        <p:cNvPr id="1" name=""/>
+        <p:cNvGrpSpPr/>
+        <p:nvPr/>
+      </p:nvGrpSpPr>
+      <p:grpSpPr>
+        <a:xfrm>
+          <a:off x="0" y="0"/>
+          <a:ext cx="0" cy="0"/>
+          <a:chOff x="0" y="0"/>
+          <a:chExt cx="0" cy="0"/>
+        </a:xfrm>
+      </p:grpSpPr>
+      <p:sp>
+        <p:nvSpPr>
+          <p:cNvPr id="2" name="Titel 1">
+            <a:extLst>
+              <a:ext uri="{FF2B5EF4-FFF2-40B4-BE49-F238E27FC236}">
+                <a16:creationId xmlns:a16="http://schemas.microsoft.com/office/drawing/2014/main" id="{102EB291-81ED-F4DD-5AB5-8D4F36DA01AC}"/>
+              </a:ext>
+            </a:extLst>
+          </p:cNvPr>
+          <p:cNvSpPr>
+            <a:spLocks noGrp="1"/>
+          </p:cNvSpPr>
+          <p:nvPr>
+            <p:ph type="title"/>
+          </p:nvPr>
+        </p:nvSpPr>
+        <p:spPr>
+          <a:xfrm>
+            <a:off x="518160" y="2697480"/>
+            <a:ext cx="11155680" cy="1463040"/>
+          </a:xfrm>
+        </p:spPr>
+        <p:txBody>
+          <a:bodyPr/>
+          <a:lstStyle/>
+          <a:p>
+            <a:pPr algn="ctr"/>
+            <a:r>
+              <a:rPr lang="nl-NL" dirty="0"/>
+              <a:t>Einde</a:t>
+            </a:r>
+            <a:endParaRPr lang="nl-BE" dirty="0"/>
+          </a:p>
+        </p:txBody>
+      </p:sp>
+    </p:spTree>
+    <p:extLst>
+      <p:ext uri="{BB962C8B-B14F-4D97-AF65-F5344CB8AC3E}">
+        <p14:creationId xmlns:p14="http://schemas.microsoft.com/office/powerpoint/2010/main" val="2647849553"/>
+      </p:ext>
+    </p:extLst>
+  </p:cSld>
+  <p:clrMapOvr>
+    <a:masterClrMapping/>
+  </p:clrMapOvr>
+</p:sld>
+</file>
+
 <file path=ppt/theme/theme1.xml><?xml version="1.0" encoding="utf-8"?>
 <a:theme xmlns:a="http://schemas.openxmlformats.org/drawingml/2006/main" name="GestaltVTI">
   <a:themeElements>
